--- a/docs/chapter2/resources/images/roc.pptx
+++ b/docs/chapter2/resources/images/roc.pptx
@@ -6129,7 +6129,7 @@
       </p:cxnSp>
       <p:pic>
         <p:nvPicPr>
-          <p:cNvPr id="20" name="334E55B0-647D-440b-865C-3EC943EB4CBC-2" descr="/private/var/folders/81/8tdhjkl50lz1b2b3n_f4rw3m0000gn/T/com.kingsoft.wpsoffice.mac/wpsoffice.BvznUlwpsoffice"/>
+          <p:cNvPr id="23" name="334E55B0-647D-440b-865C-3EC943EB4CBC-4" descr="/private/var/folders/81/8tdhjkl50lz1b2b3n_f4rw3m0000gn/T/com.kingsoft.wpsoffice.mac/wpsoffice.XqLWHCwpsoffice"/>
           <p:cNvPicPr>
             <a:picLocks noChangeAspect="1"/>
           </p:cNvPicPr>
@@ -6143,8 +6143,8 @@
         </p:blipFill>
         <p:spPr>
           <a:xfrm>
-            <a:off x="5035550" y="4842828"/>
-            <a:ext cx="250190" cy="166370"/>
+            <a:off x="8059420" y="4622165"/>
+            <a:ext cx="175260" cy="158750"/>
           </a:xfrm>
           <a:prstGeom prst="rect">
             <a:avLst/>
@@ -6153,7 +6153,7 @@
       </p:pic>
       <p:pic>
         <p:nvPicPr>
-          <p:cNvPr id="21" name="334E55B0-647D-440b-865C-3EC943EB4CBC-3" descr="/private/var/folders/81/8tdhjkl50lz1b2b3n_f4rw3m0000gn/T/com.kingsoft.wpsoffice.mac/wpsoffice.QTLCINwpsoffice"/>
+          <p:cNvPr id="24" name="334E55B0-647D-440b-865C-3EC943EB4CBC-5" descr="wpsoffice"/>
           <p:cNvPicPr>
             <a:picLocks noChangeAspect="1"/>
           </p:cNvPicPr>
@@ -6161,78 +6161,6 @@
         </p:nvPicPr>
         <p:blipFill>
           <a:blip r:embed="rId2"/>
-          <a:stretch>
-            <a:fillRect/>
-          </a:stretch>
-        </p:blipFill>
-        <p:spPr>
-          <a:xfrm>
-            <a:off x="5875655" y="4840923"/>
-            <a:ext cx="250190" cy="170180"/>
-          </a:xfrm>
-          <a:prstGeom prst="rect">
-            <a:avLst/>
-          </a:prstGeom>
-        </p:spPr>
-      </p:pic>
-      <p:pic>
-        <p:nvPicPr>
-          <p:cNvPr id="22" name="334E55B0-647D-440b-865C-3EC943EB4CBC-4" descr="/private/var/folders/81/8tdhjkl50lz1b2b3n_f4rw3m0000gn/T/com.kingsoft.wpsoffice.mac/wpsoffice.ZsdaZLwpsoffice"/>
-          <p:cNvPicPr>
-            <a:picLocks noChangeAspect="1"/>
-          </p:cNvPicPr>
-          <p:nvPr/>
-        </p:nvPicPr>
-        <p:blipFill>
-          <a:blip r:embed="rId3"/>
-          <a:stretch>
-            <a:fillRect/>
-          </a:stretch>
-        </p:blipFill>
-        <p:spPr>
-          <a:xfrm>
-            <a:off x="6710045" y="4845686"/>
-            <a:ext cx="250190" cy="164465"/>
-          </a:xfrm>
-          <a:prstGeom prst="rect">
-            <a:avLst/>
-          </a:prstGeom>
-        </p:spPr>
-      </p:pic>
-      <p:pic>
-        <p:nvPicPr>
-          <p:cNvPr id="23" name="334E55B0-647D-440b-865C-3EC943EB4CBC-5" descr="/private/var/folders/81/8tdhjkl50lz1b2b3n_f4rw3m0000gn/T/com.kingsoft.wpsoffice.mac/wpsoffice.flvbfzwpsoffice"/>
-          <p:cNvPicPr>
-            <a:picLocks noChangeAspect="1"/>
-          </p:cNvPicPr>
-          <p:nvPr/>
-        </p:nvPicPr>
-        <p:blipFill>
-          <a:blip r:embed="rId4"/>
-          <a:stretch>
-            <a:fillRect/>
-          </a:stretch>
-        </p:blipFill>
-        <p:spPr>
-          <a:xfrm>
-            <a:off x="7555865" y="4848861"/>
-            <a:ext cx="241300" cy="164465"/>
-          </a:xfrm>
-          <a:prstGeom prst="rect">
-            <a:avLst/>
-          </a:prstGeom>
-        </p:spPr>
-      </p:pic>
-      <p:pic>
-        <p:nvPicPr>
-          <p:cNvPr id="24" name="334E55B0-647D-440b-865C-3EC943EB4CBC-6" descr="wpsoffice"/>
-          <p:cNvPicPr>
-            <a:picLocks noChangeAspect="1"/>
-          </p:cNvPicPr>
-          <p:nvPr/>
-        </p:nvPicPr>
-        <p:blipFill>
-          <a:blip r:embed="rId5"/>
           <a:stretch>
             <a:fillRect/>
           </a:stretch>
@@ -6249,94 +6177,22 @@
       </p:pic>
       <p:pic>
         <p:nvPicPr>
-          <p:cNvPr id="25" name="334E55B0-647D-440b-865C-3EC943EB4CBC-7" descr="/private/var/folders/81/8tdhjkl50lz1b2b3n_f4rw3m0000gn/T/com.kingsoft.wpsoffice.mac/wpsoffice.Dyfnpswpsoffice"/>
+          <p:cNvPr id="28" name="334E55B0-647D-440b-865C-3EC943EB4CBC-9" descr="/private/var/folders/81/8tdhjkl50lz1b2b3n_f4rw3m0000gn/T/com.kingsoft.wpsoffice.mac/wpsoffice.cRZFTKwpsoffice"/>
           <p:cNvPicPr>
             <a:picLocks noChangeAspect="1"/>
           </p:cNvPicPr>
           <p:nvPr/>
         </p:nvPicPr>
         <p:blipFill>
-          <a:blip r:embed="rId6"/>
+          <a:blip r:embed="rId3"/>
           <a:stretch>
             <a:fillRect/>
           </a:stretch>
         </p:blipFill>
         <p:spPr>
           <a:xfrm>
-            <a:off x="4031298" y="3772218"/>
-            <a:ext cx="216535" cy="168910"/>
-          </a:xfrm>
-          <a:prstGeom prst="rect">
-            <a:avLst/>
-          </a:prstGeom>
-        </p:spPr>
-      </p:pic>
-      <p:pic>
-        <p:nvPicPr>
-          <p:cNvPr id="26" name="334E55B0-647D-440b-865C-3EC943EB4CBC-8" descr="/private/var/folders/81/8tdhjkl50lz1b2b3n_f4rw3m0000gn/T/com.kingsoft.wpsoffice.mac/wpsoffice.ljrIpKwpsoffice"/>
-          <p:cNvPicPr>
-            <a:picLocks noChangeAspect="1"/>
-          </p:cNvPicPr>
-          <p:nvPr/>
-        </p:nvPicPr>
-        <p:blipFill>
-          <a:blip r:embed="rId7"/>
-          <a:stretch>
-            <a:fillRect/>
-          </a:stretch>
-        </p:blipFill>
-        <p:spPr>
-          <a:xfrm>
-            <a:off x="4031933" y="2939733"/>
-            <a:ext cx="215265" cy="168910"/>
-          </a:xfrm>
-          <a:prstGeom prst="rect">
-            <a:avLst/>
-          </a:prstGeom>
-        </p:spPr>
-      </p:pic>
-      <p:pic>
-        <p:nvPicPr>
-          <p:cNvPr id="27" name="334E55B0-647D-440b-865C-3EC943EB4CBC-9" descr="/private/var/folders/81/8tdhjkl50lz1b2b3n_f4rw3m0000gn/T/com.kingsoft.wpsoffice.mac/wpsoffice.fFwGgdwpsoffice"/>
-          <p:cNvPicPr>
-            <a:picLocks noChangeAspect="1"/>
-          </p:cNvPicPr>
-          <p:nvPr/>
-        </p:nvPicPr>
-        <p:blipFill>
-          <a:blip r:embed="rId8"/>
-          <a:stretch>
-            <a:fillRect/>
-          </a:stretch>
-        </p:blipFill>
-        <p:spPr>
-          <a:xfrm>
-            <a:off x="4031933" y="2108836"/>
-            <a:ext cx="215265" cy="165735"/>
-          </a:xfrm>
-          <a:prstGeom prst="rect">
-            <a:avLst/>
-          </a:prstGeom>
-        </p:spPr>
-      </p:pic>
-      <p:pic>
-        <p:nvPicPr>
-          <p:cNvPr id="28" name="334E55B0-647D-440b-865C-3EC943EB4CBC-10" descr="/private/var/folders/81/8tdhjkl50lz1b2b3n_f4rw3m0000gn/T/com.kingsoft.wpsoffice.mac/wpsoffice.IqOaTkwpsoffice"/>
-          <p:cNvPicPr>
-            <a:picLocks noChangeAspect="1"/>
-          </p:cNvPicPr>
-          <p:nvPr/>
-        </p:nvPicPr>
-        <p:blipFill>
-          <a:blip r:embed="rId9"/>
-          <a:stretch>
-            <a:fillRect/>
-          </a:stretch>
-        </p:blipFill>
-        <p:spPr>
-          <a:xfrm>
-            <a:off x="4034473" y="1276350"/>
-            <a:ext cx="211455" cy="165735"/>
+            <a:off x="4251961" y="891540"/>
+            <a:ext cx="119380" cy="165735"/>
           </a:xfrm>
           <a:prstGeom prst="rect">
             <a:avLst/>
@@ -6780,21 +6636,21 @@
       </p:sp>
       <p:pic>
         <p:nvPicPr>
-          <p:cNvPr id="42" name="334E55B0-647D-440b-865C-3EC943EB4CBC-11" descr="wpsoffice"/>
+          <p:cNvPr id="42" name="334E55B0-647D-440b-865C-3EC943EB4CBC-10" descr="wpsoffice"/>
           <p:cNvPicPr>
             <a:picLocks noChangeAspect="1"/>
           </p:cNvPicPr>
           <p:nvPr/>
         </p:nvPicPr>
         <p:blipFill>
-          <a:blip r:embed="rId10"/>
+          <a:blip r:embed="rId4"/>
           <a:stretch>
             <a:fillRect/>
           </a:stretch>
         </p:blipFill>
         <p:spPr>
           <a:xfrm>
-            <a:off x="4022725" y="4119880"/>
+            <a:off x="4022725" y="3709670"/>
             <a:ext cx="234950" cy="307975"/>
           </a:xfrm>
           <a:prstGeom prst="rect">
@@ -6804,21 +6660,21 @@
       </p:pic>
       <p:pic>
         <p:nvPicPr>
-          <p:cNvPr id="45" name="334E55B0-647D-440b-865C-3EC943EB4CBC-14" descr="/private/var/folders/81/8tdhjkl50lz1b2b3n_f4rw3m0000gn/T/com.kingsoft.wpsoffice.mac/wpsoffice.TjQUrvwpsoffice"/>
+          <p:cNvPr id="45" name="334E55B0-647D-440b-865C-3EC943EB4CBC-11" descr="/private/var/folders/81/8tdhjkl50lz1b2b3n_f4rw3m0000gn/T/com.kingsoft.wpsoffice.mac/wpsoffice.TjQUrvwpsoffice"/>
           <p:cNvPicPr>
             <a:picLocks noChangeAspect="1"/>
           </p:cNvPicPr>
           <p:nvPr/>
         </p:nvPicPr>
         <p:blipFill>
-          <a:blip r:embed="rId11"/>
+          <a:blip r:embed="rId5"/>
           <a:stretch>
             <a:fillRect/>
           </a:stretch>
         </p:blipFill>
         <p:spPr>
           <a:xfrm>
-            <a:off x="4623435" y="4736148"/>
+            <a:off x="5044440" y="4736148"/>
             <a:ext cx="234950" cy="307340"/>
           </a:xfrm>
           <a:prstGeom prst="rect">
@@ -7525,37 +7381,19 @@
 <file path=customXml/item1.xml><?xml version="1.0" encoding="utf-8"?>
 <s:customData xmlns="http://www.wps.cn/officeDocument/2013/wpsCustomData" xmlns:s="http://www.wps.cn/officeDocument/2013/wpsCustomData">
   <extobjs>
-    <extobj name="334E55B0-647D-440b-865C-3EC943EB4CBC-2">
-      <extobjdata type="334E55B0-647D-440b-865C-3EC943EB4CBC" data="ewogICAiSW1nU2V0dGluZ0pzb24iIDogIntcImRwaVwiOlwiNjAwXCIsXCJmb3JtYXRcIjpcIlBOR1wiLFwidHJhbnNwYXJlbnRcIjp0cnVlLFwiYXV0b1wiOmZhbHNlfSIsCiAgICJMYXRleCIgOiAiWEZzZ2VGOHlJRnhkIiwKICAgIkxhdGV4SW1nQmFzZTY0IiA6ICJpVkJPUncwS0dnb0FBQUFOU1VoRVVnQUFBRXNBQUFBeUJBTUFBQURtVFR2UUFBQUFNRkJNVkVYLy8vOEFBQUFBQUFBQUFBQUFBQUFBQUFBQUFBQUFBQUFBQUFBQUFBQUFBQUFBQUFBQUFBQUFBQUFBQUFBQUFBQXYzYUI3QUFBQUQzUlNUbE1BSW9tNzNXYXJWREx2ZGhDWlJNMzc1blg5QUFBQUNYQklXWE1BQUE3RUFBQU94QUdWS3c0YkFBQUN2VWxFUVZRNEVYMVZzVzRUUVJCZE95UTI1eEFzbElZQ09RVXRjZ3FvS093bVVoUWtMaElTVWlURXVhT2dJQklJaWNxUitJQkFFQkpVbHo4NEYvU21wRE9JQWlHQjRnNmxRREhrc0RnZ2ViemQyVDJmbll1bnVKMTU4MloyZDNaMlR5a2pGNjdHMTBUeDQzc0M1WHlmQWlIKzBGRkVJa29PU2MxaXBWcnBZVm1weHN1TytvaTNlU1NsZXIrSWV4aXF1V01xZC9FN2wxWk1xaG9Qc1Zudkt6VVAvTXlsQmM4TjNNTXF5RytEYVhPa2dQY0dqWkQ4bzlJNEpkdUNuU01BZnBBV0FrYzV5VlR3VE5BSWVxODZXeXVQRnE0TDJvT1pmUkY2NmhOU1NpekVORWI3VkQzQklURGp0Zy9vcW1YbHl6NXVYckhBZWIxdVNnSG11TVF3M3cxbzJla1lZMzVKUEtYSkhTNWk3Y09seTRBK29wR3crb09ScFZRWnE5cmsvbHRaK0F6UXo5b1hEODFzNVlsRDZRSkxXZHFCRGRvRDFqTjRXOHJta0JKazZXb08rT3RBanF4dXhsSXpyc2dURmZESHk5YkZqbzA2UUR5S3IwdzB4amF3Szk0NjNQeTBKOHZHbGZlRkZrQzNvUldXTGJ0U1ZaTitvWGRzYnl4YjA0WG9rZmFtMk15MkpScS9YYmdMTmR2U1lLR3hvZ2NLejJFMEtWUGI2TzVBM083YmdHczFJaXhiUnh4UjN4RmtoT25UeWxkaitXbDEvTjB4bWlkWHBJNVhoSG5DaCtJOWw5aXNsbnpXTExvb1RjdDYyTk5aMEc5SlJnS3p0QnJNV1RMR3VvTm1obU9hV3QvMkFHWlJVV2l6dWN2dHVBdFNOZTZRYVFxNGJkZjJ4dDBneSt2SjVXYnhsbm05aHV3WHZmU0szM0o1ek9naDJkSktEV3Y4UG1peTJDMHFuKzErcVJvSmNNT01IcjRwOVNqdThLRWNkaW9QeHh1ZEQ2UUxlNExFeDMyR2JDQU84VjJTdUc4d0NudThINzh6OEszd2hTaU94R1JIcVQ1RkNlTHFGSzl6ZWJodTFEdlR5WkY5WGYycE5NK3RmK3htdXFuU01iS1BUUGs0aFhJVXp6N2RxcGo3c3J1SVNQNERxckkzMFZxT1lFYWU1bXN0YkxScHhhdlRiOFcrcDJOWnJNR3VUbVdRUnhCc095VUJ6ZE5wN1F5dHBmNERNTTk1K0xQbU9HOEFBQUFBU1VWT1JLNUNZSUk9Igp9Cg=="/>
-    </extobj>
-    <extobj name="334E55B0-647D-440b-865C-3EC943EB4CBC-3">
-      <extobjdata type="334E55B0-647D-440b-865C-3EC943EB4CBC" data="ewogICAiSW1nU2V0dGluZ0pzb24iIDogIntcImRwaVwiOlwiNjAwXCIsXCJmb3JtYXRcIjpcIlBOR1wiLFwidHJhbnNwYXJlbnRcIjp0cnVlLFwiYXV0b1wiOmZhbHNlfSIsCiAgICJMYXRleCIgOiAiWEZzZ2VGOHpJRnhkIiwKICAgIkxhdGV4SW1nQmFzZTY0IiA6ICJpVkJPUncwS0dnb0FBQUFOU1VoRVVnQUFBRXNBQUFBekJBTUFBQUF0RWVoMUFBQUFNRkJNVkVYLy8vOEFBQUFBQUFBQUFBQUFBQUFBQUFBQUFBQUFBQUFBQUFBQUFBQUFBQUFBQUFBQUFBQUFBQUFBQUFBQUFBQXYzYUI3QUFBQUQzUlNUbE1BSW9tNzNXYXJWREx2ZGhDWlJNMzc1blg5QUFBQUNYQklXWE1BQUE3RUFBQU94QUdWS3c0YkFBQUMya2xFUVZRNEVYVlZ2NHNUUVJTZUpIZVg4L1p5QnJHL1dGcElUdFRXcEJGRWl3MElnaUFtRmlKb2tRUGx3TVlFckxTNlF3V3ZjZk1mYklwckJPV3V0TnVnaUZpSTZTU0ZuSm8xdVA2NHp6ZHZaamN6bTNXS3lmZSs5ODNNbS9mbWJZVGdjZVIwZUVZQk43eXBxSXo1QWVEaEZ6bnlpQlRJRUlsNW5DczdBZGFFcUQzdGk3Zll5eElKRWZ3Z2Zna1RzWEJBNEJwK1pzcnlVVm55SHRhclF5R1dnZStac3VZVzB3SE9nL1FkMExZWkk0Y0JzejZpUHdScS85bHRSWi9SQkw2UnpBUCtabXdtbXB1SzlTSHZLbmRyWmNtOGhtSUQ4T2xISVkrZUdjVklVN1FOby9mbEdRMFJoZmo2Z015YU9kNk04T1NXWG5SWXhrMGpCeTZYTW5nK2p2Q1VoNE1CRzhzVjVTbW1iL2dRcjJseGdIRmZDZFJNMmY5cTJpWGNsbVlKdUdqU2M4RFF0Ri9vbUgwNzVGMmdZc3FxWVk5TjR0Y052cVBTbGpEeHUxdXhUNkhzSmhJSjR2d3MyREc3ZGd3a0MzbVpMWFBTRDZPdDAxZ0E2cXpuYVNadEw3Y3I3S0FNdEJqd1JHbjdQYlVNUkRkVmRXQ09GdFVONXhSV01aNGFnaGJ0S1hPK1pkREM4YXdPb3JUcExPNWFOYU9MbXRtbHRQWFZMdjdRM0MzUVQ5NzV5S3lyMHlTRTJ6Tms5ekV1czFuRk0vcGRSQnhwS2RLN0NyRngxc1dreTZxOEtncmxRN2ZBaXZ5V3FORUdPWTh4WGlWSTRGRHlkcHQxcGVIWmVlVGh1a1JOVlR2ZjA3dkZ6UjFyNlpnR1lib2huWkxEWlIzYlR0eEJzUzdnVDRyUFRWeVlVTWZJMEIyM0ZmdjFMNVduSjhRcUxwRGRyZ3VmSy96QnJBd0w2VTNRaDJ3Sm40VzRHL2JwUXpucE8zZnNoODQ2bFlwN2lGeHVvaXNJUFh4aGp6WFZnQzRSRzZPUUdwTEdKZSt4QW13bFV6WFZTNG1Ed2J1dXR0VWxiV2RpN2NSVmtaa2RKblFhVUQ0SGlpUFpXdHFiMlB0SlJCUmJLNkhUZ0dROXhiWHRoMmtMeVNtclFzTkw5YmxpOWR5SlRpcEVMM0g2dEN5Sk5PYmlQd2U3bmRPNnhialJPb2pLYWFkaGZ3b2IwcUxLYnhuc0RNenRSeWY2NGxVdCs2OXBLaTlTVHJhcGs3cFRLaFBscm83dy9BYW41UjhXQlhWc1R3ZzRGd0FBQUFCSlJVNUVya0pnZ2c9PSIKfQo="/>
-    </extobj>
     <extobj name="334E55B0-647D-440b-865C-3EC943EB4CBC-4">
-      <extobjdata type="334E55B0-647D-440b-865C-3EC943EB4CBC" data="ewogICAiSW1nU2V0dGluZ0pzb24iIDogIntcImRwaVwiOlwiNjAwXCIsXCJmb3JtYXRcIjpcIlBOR1wiLFwidHJhbnNwYXJlbnRcIjp0cnVlLFwiYXV0b1wiOmZhbHNlfSIsCiAgICJMYXRleCIgOiAiWEZzZ2VGODBJRnhkIiwKICAgIkxhdGV4SW1nQmFzZTY0IiA6ICJpVkJPUncwS0dnb0FBQUFOU1VoRVVnQUFBRXdBQUFBeUJBTUFBQUFFa1NDcEFBQUFNRkJNVkVYLy8vOEFBQUFBQUFBQUFBQUFBQUFBQUFBQUFBQUFBQUFBQUFBQUFBQUFBQUFBQUFBQUFBQUFBQUFBQUFBQUFBQXYzYUI3QUFBQUQzUlNUbE1BSW9tNzNXYXJWREx2ZGhDWlJNMzc1blg5QUFBQUNYQklXWE1BQUE3RUFBQU94QUdWS3c0YkFBQUNmMGxFUVZRNEVjV1V2MjhUTVJUSGZVbERTaTRORVdKalNQNkRkSUE1R1lxRXVsd2xKQ1FXTGhzRFF5cUJrSmd5TURFQkFpUVFnenV5WFpCWXFnN055SlpLU0NBR1JEYkV3SStXSS9TQTlzdXovWnhUSEVkaTR3M084M3VmUE52ZmU3WVEyazZmUzg4YkowcXZtWkJudkFOSS9LSkVBWmx4UEpBbzRVSTlIR0ZWaVBiamdYaU5vUThTWXZTRDRoVk14SWxqY3E3aTBJc1ZzcnFLUzJ5MnhrSlVnUU12RmovUTRSRXVndmcrcUt6SEF1enBhSUxzRHpudEJkVnF2RVlNN0JNbWdTTlBNUkhmTjlFRTZxeXFXdGVIeVEwVEhVR3ZmZ1pxNlRrclp4eWlNdHA3VzU5aDdqN1QwNkk5UHFCVWN5MlVSc1ZUYXQ5a0FmVG5NcE44TFBLQnFrMFRLL3RQR0R2bkp2Vy81VVdzUjJ2TXlyTUVqRzB5LzYyNTJDN1F6TlBXYTBWT3RiNlJ6ZWJONzNMV2R6QlNkeFpScyszRER3NFcrV1RyTlIwczlEVkcrVmc0bUZlMnhyNkxrV3kvNS9iMmRjUEZTTGFPaTFXb2paMUZTYmFod1VwZGk5K2o1bkF3a20zVHBIZW4zeXphbThOSXRvSEJrakZYcTZvV3M5WEM5em9hSWVWc3RNVk92ME9PeFZwNFFyTmw0THZKcm1SY05aVDFIQ3VZcGlVOStBclUxRnVpcktqZUFsdXRBZjB0VDA1N04rNm9MRm15cWtaZU5JYmVWQ0s1bXIzY0lqQ0xNMFlucEZVQ1hPYTl2YlEzYU9sSUZiUFZFbjJKaTVQQUNCSkdYWjJsWjJxb0hhN1d3RHBOZXgyUjZNditqczhyVmxnZnhpcjRLTVROZEVBUDVXUVEzcGcyK2pZL2NveUoyOGdpWEtlS1Y1QktmTllycWZwYnhyT1l1UFVwZmFWRGwrUkQ0OUNzWkYrQUtXYis1WXhGa2pNM3UyRUhvaytRTStRdHhNSWR0alora2pkWHhnMzBuQXZvNW5uK1g3RDJ2KzB0Z3U3T0JUczM0WjBYYjREcytWbHUrMFdzWkpGdER5N2daUFpvN2N2YVUzbndGeFVMZWQ1V0dLbGVBQUFBQUVsRlRrU3VRbUNDIgp9Cg=="/>
+      <extobjdata type="334E55B0-647D-440b-865C-3EC943EB4CBC" data="ewogICAiSW1nU2V0dGluZ0pzb24iIDogIntcImRwaVwiOlwiNjAwXCIsXCJmb3JtYXRcIjpcIlBOR1wiLFwidHJhbnNwYXJlbnRcIjp0cnVlLFwiYXV0b1wiOmZhbHNlfSIsCiAgICJMYXRleCIgOiAiWEZzZ2VDQmNYUT09IiwKICAgIkxhdGV4SW1nQmFzZTY0IiA6ICJpVkJPUncwS0dnb0FBQUFOU1VoRVVnQUFBQ29BQUFBbUJBTUFBQUJBTHhRVEFBQUFNRkJNVkVYLy8vOEFBQUFBQUFBQUFBQUFBQUFBQUFBQUFBQUFBQUFBQUFBQUFBQUFBQUFBQUFBQUFBQUFBQUFBQUFBQUFBQXYzYUI3QUFBQUQzUlNUbE1BSW9tNzNXYXJWREx2ZGhDWlJNMzc1blg5QUFBQUNYQklXWE1BQUE3RUFBQU94QUdWS3c0YkFBQUJuRWxFUVZRb0ZYVlNQVXNEUVJDZEpNWm9MbW9RZS9NUFlxRjEwZ2hpYzRJZzJKaDBGaFlHRk1FcWhYOUFFY0h1L0FlWHdqNHA3U0pZaUlXUVRpd0VQODdnK2ZWOHUzUG5SY1V0ZHQ2OG5abDlzN01pZGszT0JuTUszR0JkS1pFOXdNTXJ2VFJDQmNSWnpCZWRMbVpFS2tjdHVVREhSbmVmYWZMb3kvQW53UnBlREpzT2k4WjRhSlI3SWdYZzBiaTFBN05MRnd2Z2NSTk1Fa25oM0xJK3duZUNpc2FPMndTbUFBOWtQZUNEcHJadlE4V0hVV0ZpNnpUZWtySmQyRkpUTUhWeW9aSW15S0xMSWswbUtpdUFVUnV0Q1hNRlZ3cTJaM1drVUZLUTA3c2pOamJzNlQ3R2lSMENlb2tYb3paUWluRmlteW8zSVN4aUU3OFk0N3FEY3VOekozclcyRmY3cjl5M24zSEdvOXpxWDVaeU84cG02OGtwNVRiVWF3ODBUcmt0WmYwZXJYTnRIUmVCa3VLZUVKUnh6SDBFZUZKMkxHUk9Xa2ZBZHpUajRobzMvMjBhdHYvUjcwblVxbVJyc0FWOUw0clZQOE83bVpMQ1NsVDMxQTdYdDM4ajArY3dqVExIclhObjNVWHVtMVYrSGVOZnFaSThia1MyZ3hiRjlGdk9WanlsWFlRdU5oaTJpc0RESFlGZE83ZkJtUVhMM3FFQytRS05ZODRvMW1QbDhnQUFBQUJKUlU1RXJrSmdnZz09Igp9Cg=="/>
     </extobj>
     <extobj name="334E55B0-647D-440b-865C-3EC943EB4CBC-5">
-      <extobjdata type="334E55B0-647D-440b-865C-3EC943EB4CBC" data="ewogICAiSW1nU2V0dGluZ0pzb24iIDogIntcImRwaVwiOlwiNjAwXCIsXCJmb3JtYXRcIjpcIlBOR1wiLFwidHJhbnNwYXJlbnRcIjp0cnVlLFwiYXV0b1wiOmZhbHNlfSIsCiAgICJMYXRleCIgOiAiWEZzZ2VGODFJRnhkIiwKICAgIkxhdGV4SW1nQmFzZTY0IiA6ICJpVkJPUncwS0dnb0FBQUFOU1VoRVVnQUFBRXNBQUFBekJBTUFBQUF0RWVoMUFBQUFNRkJNVkVYLy8vOEFBQUFBQUFBQUFBQUFBQUFBQUFBQUFBQUFBQUFBQUFBQUFBQUFBQUFBQUFBQUFBQUFBQUFBQUFBQUFBQXYzYUI3QUFBQUQzUlNUbE1BSW9tNzNXYXJWREx2ZGhDWlJNMzc1blg5QUFBQUNYQklXWE1BQUE3RUFBQU94QUdWS3c0YkFBQUN2MGxFUVZRNEVZMVZ2NHNUUVJTZUpKN1I3T1VNWWlQbzVYckZxR2lkTklJS3NnZUNJSWdiYkN4RVBGQU9SVEFSN1QwUndXNFAvQU4yQzBFc0pHbEUwU0lIRm1JaEJndkZRdTcwMXVqNDYvUE52TmxOZGpNUlg3SHZ2ZTk5ZVRQdnpadUpFRnEySG9nT3N1RkdaeG15Zkc4QVBuNVFJQS9KaG9Va3BuQ280dlN3VjRqNjNWQzhSTmRHRXFMM2xmQVNCbUxqSHpKTzQ3dVZscGNWaGZ0WXFQV0ZtQWErV0duZWJRMzNjQmpFYjRIU1dpU0hGWTBHa0wvSXFFL0lObVBXOElEUFJQT0IzNVprd2x0aU5JQ3FWV1ZyMm1qK1BLTTk2TlczUVMwOUprVnBJRXFqclZlVk1RNEJoYmg4UUhWdEtQdmJiSmZQS0wxRjdac2tCMzFjN05EWGdYeHlQWFIyM21kNGVvNGp4VXlGRG1KUmhTVkMzVjlMSERJU1dycWlEVURmUnBPbUVTYldBZVlzTkxsckZOUm51VEtLT0RpMUN2a3VoVkdjdWp2S29yMmwzTmh4TTIyejA2aXd1TS84UXpzdDI3WUppMUxiZnNicmEyM1BSbTFyL0FlTjJ0WmwybFJUYTN1MkZyREF0TTVhUW51NCsvbFZCdU12dFMxa08raHJUZG11cWNQL3dLanpSbXNYRWZ2Q1hkYUdnMW41Tkh6Y3d6N3QxbkNQOUNaZ1hidWlMRGtyTlhKWkJYelpKcFhub2FWK21JR1pVVzhKaVdNdVdGWGZ0eW90VCtEbVpIYTloaUtSb0sxVlNlL0dnMWFCYjdMRmwxdUl5NXBGV2RXQVVZVzBTZzRuek40ZXBFK1dxSFYxUElHK3hJVUIzUmkxZGNkdDBqY2xOWlduaXFNRVhtZ1F2MG5HYTFQdkNORlRFMVpTL2JzVWhWVHlJSFF1cGdkZGsxdTZ4aXVRTHM0UmNCS1JqMDhqYVl6NUZ1bzlFNHNmbzJjYU9lN2ZZVU43ZTE0WTJpMStXNHlYVVRQSjRWRzJkaVk0ZEljNWFHOXFVYnRRY0o0alpOa3BDcVZzSmtjUUQ0V04zTUV4QTllaC9nOG1TT0ZiSEFDV1luTmNGK01wTFNYVFAwNGlaTFhMOEtOL2JVMkk3V1pNNituM0xKdXl6SmRnRnV0aE5wVHliK0o4S0hid2pVZ0ZNazVOL2NzaVB0cE1jT2c2aTBma2U3N09md0VGa0c4UnVESE5oQUFBQUFCSlJVNUVya0pnZ2c9PSIKfQo="/>
-    </extobj>
-    <extobj name="334E55B0-647D-440b-865C-3EC943EB4CBC-6">
       <extobjdata type="334E55B0-647D-440b-865C-3EC943EB4CBC" data="ewogICAiSW1nU2V0dGluZ0pzb24iIDogIntcImRwaVwiOlwiNjAwXCIsXCJmb3JtYXRcIjpcIlBOR1wiLFwidHJhbnNwYXJlbnRcIjp0cnVlLFwiYXV0b1wiOmZhbHNlfSIsCiAgICJMYXRleCIgOiAiWEZzZ01DQmNYUT09IiwKICAgIkxhdGV4SW1nQmFzZTY0IiA6ICJpVkJPUncwS0dnb0FBQUFOU1VoRVVnQUFBQ1FBQUFBNUJBTUFBQUNzWnBUdUFBQUFNRkJNVkVYLy8vOEFBQUFBQUFBQUFBQUFBQUFBQUFBQUFBQUFBQUFBQUFBQUFBQUFBQUFBQUFBQUFBQUFBQUFBQUFBQUFBQXYzYUI3QUFBQUQzUlNUbE1BRUdhWnU5M3Z6WFl5cTFRaVJJbHlOdlg2QUFBQUNYQklXWE1BQUE3RUFBQU94QUdWS3c0YkFBQUJxMGxFUVZRNEVZMVRPMDRDVVJTOXhQaEJpUkpMRzNVRld0aGphYVhzQUR2TFlRZTRBQk1zaksxMGxsQkpxWEVEVXRqakRnUU5nLy9qdWZkOWhrRmpuRXplM0p4NzN2MmVFYkZuZGFkMnRIZnFiSGVlQVNPK0d4bTJodEdtRkxvWVIxNHB3Ykg2ci9BVWFPZDROek80UkFxZUpITGhmVEtQc2VjdkFDNWFFNThoUklLNm1RbXFBV3E2bTh0dytSUytRNnFmdVJDQTlpelE0NmNQcU1lZUdhQkZveDBUaWpEbGdCRHdaZ3c5bHFBTjhIeU9VTkg4VFBnVm9RSTA1VHp3RWlGR1FWbFdFQnBUQjZFZXE4djZFVW1BQnkzck5idFkwOEsyZ0k4Y3RDdk5hYWdxbFdub2tQMU1YbXhvUndmL2dJYktHbVlaZVhFb2RrVHNkK2hEV1JPbEd1dEhSZ3YvTjZ1bXBlYXJONmd5UFp5QlRpSS9yNnJPS3cvVmRhcFJPRGJvRm1VMnRZNEgzVkJVcUcyb2s5OGpWNHNieVcyYkFxQ01xSW1jVEtoYmNvTjZUVXlxaG9ZVG8wMlJrdE1ac1B4eW1DcUZXYWU5RG5RQ3hJbzJhSHQ5R3RwM04wcE9ud2ExdmRZZVkvbk1YalhYTEZJZmY5SEpYb1QvWE10OG5FclE2SVVYTU52WmRqNHBKczY4bnREMkd0SVRrUzdTbmlmeGM4L2ZQMEY2bkNFaXQ1ZkowYjduZkFOY3EwdXd1UlZzVFFBQUFBQkpSVTVFcmtKZ2dnPT0iCn0K"/>
     </extobj>
-    <extobj name="334E55B0-647D-440b-865C-3EC943EB4CBC-7">
-      <extobjdata type="334E55B0-647D-440b-865C-3EC943EB4CBC" data="ewogICAiSW1nU2V0dGluZ0pzb24iIDogIntcImRwaVwiOlwiNjAwXCIsXCJmb3JtYXRcIjpcIlBOR1wiLFwidHJhbnNwYXJlbnRcIjp0cnVlLFwiYXV0b1wiOmZhbHNlfSIsCiAgICJMYXRleCIgOiAiWEZzZ2VWOHlJRnhkIiwKICAgIkxhdGV4SW1nQmFzZTY0IiA6ICJpVkJPUncwS0dnb0FBQUFOU1VoRVVnQUFBRVVBQUFBMkJBTUFBQUJqRlVsMUFBQUFNRkJNVkVYLy8vOEFBQUFBQUFBQUFBQUFBQUFBQUFBQUFBQUFBQUFBQUFBQUFBQUFBQUFBQUFBQUFBQUFBQUFBQUFBQUFBQXYzYUI3QUFBQUQzUlNUbE1BWnJ2dnEwUXl6ZDEybVNLSlZCQmh6TXI3QUFBQUNYQklXWE1BQUE3RUFBQU94QUdWS3c0YkFBQUM3a2xFUVZRNEVYMVVPMDlVVVJBZUVCYVd4MTJpbllXN2liMlFxQWxCNHRKYkxMSFVncTIwWEJON1FVMDBOTzRtL29DbHQyQVRZcUtKQ1NUR3hHNzVCMnhoWlFPQ0Q4REg1emRuenB6TEVzSVU5Mzd6T0hQT2ZEUG5pRkF1Vm04czZ2OGNlWWhaZkUvKzEvc0o1bUFZYjZTTXRXaVlBRnE1ejFIanIwZ0pQNk42QVNuY0EwU3k2cmJJS0h5SFRXQXFkMFkwZEV4UXdrRlV5MEE5d3Z6WCtFZk0xVDB6MVlEYzUyaDZpMmdwZWFwcFZ3OFFLYUJEWmQzM0dnZU9jbWRFWStHd2FmVUFVb1Y1YUltVnl6Q2dQOG9Rc0dmb3hMZWhwckhrSVQwVjg5NTdqSmVmREhiWCtLZG53VlFXMkFyb0VsVG1lNnJjMVNNdkFZdXFDSnRpOUx6RDZ2MjNuNEZ2WnVhMzVtVVJCWG9LZUtIT2Rzb3ZBdnlKOGJIQWpmMmVHZ3BJQXpHWkNuWjZsaC9aR2g1aXloQUxYakVVNlpuMHp0Q2pyYUtVZ0swQW5KNUI3Yk9LNXhYWlNiMk85T3hpM21Ka0dZZUdwbE5abTBaUHcxbVNyZzhFNExsalJoNDFIcnFNMEhPdE1IYUwvUS8wTUYzRnR1Q2l3RzR4SFY2YU5qMmp3TGJGTUU5ZEVRdWNNVXNXcDJkOCtxa1psT21PUXE1YU1GTk9wdWtpWGc0TGJwa3RueEdQOFhKSTRaVFptTEhpM3ZEblVYOEh3Smh0OCt5bWpER1NXNndGU0xCb05wNndiaWgreTg3dWlPZkpxdWtLV1F6YmRjdFFlZ1lHY2VweWNYWGRZc2h6SmFEdTZjdTFqaDhXb2lTRUlXRVIvWmVyaUlPNngyeUVpY3hxcytrS21hZU1WeDRpaFNydXlQakh3dzNmMUR3RGZhZjdBajUzYUczMjAxUDI2YlFsSDY3aTJaVjB1VHhOT25EYU1XK2dtY3FIblJNK2gvazFvNldJYThGK3VTK3lmekxhOFRsdWFrejJJT1loelpVSU5jMlc0VEM4NjNoaVdpTXhUNzBkWDRQQ0x5cWMxSGdyYWlmNEtQb29UT2lXTzRDR2hnZmdkZ0Q2YWNkK1owdjZQTmE4MldsRWFHU25ycXV3ZzByU3N0K3V0dTlKSXlmQVJXZTFHY2VSRTdKQU5RZ25Lc2tlTFRXc0JyczEzMkpZWVpJVm1uWm1nbjI0Nm9Tb0xVVlk4aEY3MXJxNEdXTFAvR1RObzQ0VXVqanVuZWsyNDFjY1BBZm16Z3NSZWMvaGlTLzZtYW4rQTMzdHpiZE5Ta2VVQUFBQUFFbEZUa1N1UW1DQyIKfQo="/>
-    </extobj>
-    <extobj name="334E55B0-647D-440b-865C-3EC943EB4CBC-8">
-      <extobjdata type="334E55B0-647D-440b-865C-3EC943EB4CBC" data="ewogICAiSW1nU2V0dGluZ0pzb24iIDogIntcImRwaVwiOlwiNjAwXCIsXCJmb3JtYXRcIjpcIlBOR1wiLFwidHJhbnNwYXJlbnRcIjp0cnVlLFwiYXV0b1wiOmZhbHNlfSIsCiAgICJMYXRleCIgOiAiWEZzZ2VWOHpJRnhkIiwKICAgIkxhdGV4SW1nQmFzZTY0IiA6ICJpVkJPUncwS0dnb0FBQUFOU1VoRVVnQUFBRVVBQUFBMkJBTUFBQUJqRlVsMUFBQUFNRkJNVkVYLy8vOEFBQUFBQUFBQUFBQUFBQUFBQUFBQUFBQUFBQUFBQUFBQUFBQUFBQUFBQUFBQUFBQUFBQUFBQUFBQUFBQXYzYUI3QUFBQUQzUlNUbE1BWnJ2dnEwUXl6ZDEybVNLSlZCQmh6TXI3QUFBQUNYQklXWE1BQUE3RUFBQU94QUdWS3c0YkFBQURBMGxFUVZRNEVYMVZ2MnRUVVJTK2FwUFd4cjRVUndjYmRIQndTS0dLUmNGWFJ4Rk1kUllhRUJTbkNOMnQ2T1JpQXY0QjZlVGlrRUFuUVdpaGRISklCOEV4QVJXa2k5SlVteGIxODd2MzNITmVrNkYzZVBjN1ArNlA4NTF6N25PTzQyeDZaZEhQeDR6SG1NZWUyZC9zR3N4QUR1L2NERmFqNGd6UXlHeUthbitkSytKM0ZFL0IzTlhCdVNUZGRtNENlc0k2TUowWkl4bzdKQ2lpSDhVWm9CcGhOdFgrRVhOMVQxUVZJTE1wS204UUxaa2x0VlBWd2JrODJoUmFlbFlCT01pTUVVMkd5OXJxRTdBSU05Y2lJM2M1d0U4Y1k4QlBRVWUrTmErYU5BdnBLWW4xd1RMbWIvdDdPTmRaNVllV0JVNGNETEFSd0NZR0YxTHNMM3Jodm5kbFdFRndUSXJROHhCdm5TdTBzTnZ6VG41VU5DeWlRRThPZDcyZTkzenRaeitBUHdKY0RQQkxsSnZZajRZcEMxanA2UXprVmorQWJYRml3TThGS1QxcFpISWNlQ3FXSXJBaFNPbEJQRU5sNTdxV2E2VUhHSVJGbVUvWndsSjZLdkdzazNZTHdOZVFIN3JqenR4R2tDZVUzTHhsaS9rZnJoN0dKZVNlQm55ZCtWRWZxWjZPeXJ6WXJMZ2tJOVdUcEZvcGRxakx5SlExWEIwcFpNQU4wV1UxSW5JTHZ3U3dLYlJkdUdNcEt2MzBHYnZ0S05JbjdzZ3c0bzdPZmJwVXgxNDF1dmdLV3hUY05NSjl2VEFoSDlXSGlaTjlHTVpSZXBJbktlNUVKM3NHeUx5MnRKZ1l3N1FnOGx3S3FETkNqKzg3TGI2eThFeStsVEpaN044S0RXSXRQRkZKWmQ1YVNIMHlVdlArYm9YTndab2VxaTYrMHJXZ3Y0TFBIUnJydHJNNWxUTTJQbHpFaS9QV1hPYkJGclV5anNxc0h1OVZvNm81ZXJ5MTJYY3J6QmxyREZtVUJkR3k3TkNuUkd2eUtPNUxtcjNNc1dLMzRIMFdxR2pobWRjN1Y3TVk2QlB6WHdtNVpLM0ZycWhZdG1qcGhXWHNmNS9scnRMRXROMFVnK3YyTHd1aXpqK1BYQ1BKdGhKaG12VDNFWHVRWjh0YjJOUXovV083S3Z0MDBXOFQxU0VLYnJzZ0JuNlhCcUZ1eU1ZTnI2dmdWVEJKOGdQa0s3ZlMzK3E1YitYNHorck9CbjB1MWZjbGlGTzh3aHh2V2czU3VEeUxIVndOb240SzU1Wng3VlpQeEtSKzBIYjVEZzZqckU1RDh3NzZMNEhyeDdrNDk1N0ZzelcwYkZqNEQ0WHp4NSt1Z05qZEFBQUFBRWxGVGtTdVFtQ0MiCn0K"/>
-    </extobj>
     <extobj name="334E55B0-647D-440b-865C-3EC943EB4CBC-9">
-      <extobjdata type="334E55B0-647D-440b-865C-3EC943EB4CBC" data="ewogICAiSW1nU2V0dGluZ0pzb24iIDogIntcImRwaVwiOlwiNjAwXCIsXCJmb3JtYXRcIjpcIlBOR1wiLFwidHJhbnNwYXJlbnRcIjp0cnVlLFwiYXV0b1wiOmZhbHNlfSIsCiAgICJMYXRleCIgOiAiWEZzZ2VWODBJRnhkIiwKICAgIkxhdGV4SW1nQmFzZTY0IiA6ICJpVkJPUncwS0dnb0FBQUFOU1VoRVVnQUFBRVlBQUFBMkJBTUFBQUNJSXZKMkFBQUFNRkJNVkVYLy8vOEFBQUFBQUFBQUFBQUFBQUFBQUFBQUFBQUFBQUFBQUFBQUFBQUFBQUFBQUFBQUFBQUFBQUFBQUFBQUFBQXYzYUI3QUFBQUQzUlNUbE1BWnJ2dnEwUXl6ZDEybVNLSlZCQmh6TXI3QUFBQUNYQklXWE1BQUE3RUFBQU94QUdWS3c0YkFBQUN3RWxFUVZRNEVYMVZ6MnRUUVJDZTFpWk5XL3RTL0FOTXdEOGdCUldLaDc3ZVBid2kzaXNJZXN6Um15MTZxYWNFQksvdDNVTUxQUW5TQnNSeitoOGtVRThLVlJ2dEw2MmZzenM3cy9zSWRBL1oyWmx2Wjk1OE03TWg0blVydjdmcTltdldjeXpobDluZm5wZ1loUXJlVXdQYlFYRVQ2RWFiU3Uwcm9qcE93L0VHREs0QW9pdy9KS3BCSXh3QUM5RVlwS2xMRnVvWWhXTURlQkxFdUxYL3NjeTNoNklxZ0doVHFkVmphYzBzdVVWVkFGRVZ1M3pZMFZoendFVTBCbW5XZjZ6ZG5vQmxHS0YxenB3cWdOdDRUUUUvUlBLL1Q1ZmQxbmFxV2JNd1BVMm5scFhsbnJiK05oL1pzaUphVHJBcmt2dWR4RyszUFhLZnpHbXR1Z054VVZKNkdvTHhsa0xUb2hJOW5LVDM0ekhBWDc4VFdZTHVQSjFnNWkzaE1qMzlUdlREQ1crSW54STkxZEVnWXVwQVR6QWxlbzVPMXlKbVlNbVU2Q2w2Q2FabGFhWDB6Sjh4SjVZWDRIcklyZWlSKytWUGdxbGF0Ymorc1h2V0Z4TE1ET0Q2eksxTzdKNFpIcFVZaTVOWkZFaVdkRStiU3g0eE5hdG9KSk5kY2dVamhoUHVpcC9ZSXpUcnFoTXhUT0dDWU5oalV5UWFiTEJRd2h5SzVidDV6UExkRW9aanJRcG15d2lmL09rMDBRKzNnUGpKY3FObnExbkcyRE13Q2FWbmJqUXNZNWhuZjR2NlJrOU42aFJqVVV0NFpyNTF1SGEyblp2a2UyalBQMUZac2FRalZEbjNrQlJUemZHUTVqNmQ3Mm5Rby9BYUpiSG9DL2k1US9kQTZTbTZZMzZJUHQ3QnE5czJYQk5uQWtsakJRMS91N3hVekVHeTlJVVRsSTdaTlJqcmpPdzRyQmF1V0dJSDJiTVFpNjgzZ3hpMlFudCtCeTlGMWJhS0tsSXgzS2xoS2dxdGxrTDRoWkNhREFCSmxjdTJiRllSRkZOb3NhMUZJckFWL0t6cmRHMXB6SWpwd0xjYWo1VDhRWENvbFdobDZmamJZMkQwYm45SS9GMXZ2RW1LbjZEeXdEVVB5R0RSNnl1NXZpOEt5MGRMbXk4MjcrYU1tVDRaT20wZjk5VTR2bWVkaTEycTluRTVITGVaNWl0R3I0RUgxMEdJUG5EemZMWXI0OEovU3l2RDk0VnB4WThBQUFBQVNVVk9SSzVDWUlJPSIKfQo="/>
+      <extobjdata type="334E55B0-647D-440b-865C-3EC943EB4CBC" data="ewogICAiSW1nU2V0dGluZ0pzb24iIDogIntcImRwaVwiOlwiNjAwXCIsXCJmb3JtYXRcIjpcIlBOR1wiLFwidHJhbnNwYXJlbnRcIjp0cnVlLFwiYXV0b1wiOmZhbHNlfSIsCiAgICJMYXRleCIgOiAiWEZzZ2VWeGQiLAogICAiTGF0ZXhJbWdCYXNlNjQiIDogImlWQk9SdzBLR2dvQUFBQU5TVWhFVWdBQUFDY0FBQUEyQkFNQUFBQzJCNTA0QUFBQU1GQk1WRVgvLy84QUFBQUFBQUFBQUFBQUFBQUFBQUFBQUFBQUFBQUFBQUFBQUFBQUFBQUFBQUFBQUFBQUFBQUFBQUFBQUFBdjNhQjdBQUFBRDNSU1RsTUFacnZ2cTBReXpkMTJtU0tKVkJCaHpNcjdBQUFBQ1hCSVdYTUFBQTdFQUFBT3hBR1ZLdzRiQUFBQjZrbEVRVlE0RVZWVHl5NkRZUkFkdDZyYlgvRUFOUEVBTEVqRXdtOXY4VGRlZ0JYTHZnSEN5cXBOUEFCN0N4SXJpWVJFck9zTmRHRmxReEMwd1hGbXZsdE4wbjZuNTV2NTVzeWxJclNwZktHbVo2OXRZd252a1RoNlZUaUVVNW5CaVdmSGdTWmgvVWVrZ2c5UERrRHZzL3hlcEF3TDRzVTFNQ2t5MkNXczRNMTd6Z0NialA1MTkyM0hGZ0RCM0EyL05nd3FuZXRESlp3VG5vWHdNYUFqTW1vWjdGNGQrNkE2S2hSRXFkQ0ROZ2k4TUE4L01tcFFTY3FzaXJST0hGemxRYVBNcHNpNjVtSHltbkdzVjJXYUZTRzVPSmxHQXQvK09zcVFDZE9odEpOcER0U3haOERMTkZ3QmJoenBaQnAraUNtZFRDUG5ZbkluMDBoQWU2cVdZa3F4Y25aTHU2azJBbWlqMVJweExFdzU3N2pNdW1tNERLdzZNbFdoN1dKbjFGSUxPVXFkcWhwanFnWjB2cmgzOERuR2FIak5rY2V4TkJrT25sa2VaWXJmS1pGK1JKa2N2WCsrbFdSeVNWeEZyQ3d1bjhpRjdXeFdMTVZKTTI4cHg1cU0zWDVkaEhkTXl5TzQ0V2hlSjVsS1g4MWlmN3AzNk9aclgya0NpWk0wL2tUMk5FNnlMYyt6b0dwd09jT09nL1hVRGc3RHo3SklsVDhBbitiSkZxeUU2Q0swSm5hUU43dGg2c2ZoR1pJTit6UHFmeWZNbEdTQlEzdkp0Y29nMTJmZXdGQWUxbEYvRHIrMjlXaGhVUTl2V2FOekxxVVd1dTNBNlBtRXR3TmcrUjhuY3NsbTN2VzYvUUczTXlIN0xSdFJPUUFBQUFCSlJVNUVya0pnZ2c9PSIKfQo="/>
     </extobj>
     <extobj name="334E55B0-647D-440b-865C-3EC943EB4CBC-10">
-      <extobjdata type="334E55B0-647D-440b-865C-3EC943EB4CBC" data="ewogICAiSW1nU2V0dGluZ0pzb24iIDogIntcImRwaVwiOlwiNjAwXCIsXCJmb3JtYXRcIjpcIlBOR1wiLFwidHJhbnNwYXJlbnRcIjp0cnVlLFwiYXV0b1wiOmZhbHNlfSIsCiAgICJMYXRleCIgOiAiWEZzZ2VWODFJRnhkIiwKICAgIkxhdGV4SW1nQmFzZTY0IiA6ICJpVkJPUncwS0dnb0FBQUFOU1VoRVVnQUFBRVVBQUFBMkJBTUFBQUJqRlVsMUFBQUFNRkJNVkVYLy8vOEFBQUFBQUFBQUFBQUFBQUFBQUFBQUFBQUFBQUFBQUFBQUFBQUFBQUFBQUFBQUFBQUFBQUFBQUFBQUFBQXYzYUI3QUFBQUQzUlNUbE1BWnJ2dnEwUXl6ZDEybVNLSlZCQmh6TXI3QUFBQUNYQklXWE1BQUE3RUFBQU94QUdWS3c0YkFBQUM3MGxFUVZRNEVYMVZPMnRVUVJRZVkzYnpNclBCMHNJc1dDcHNDb1ZnNFUxanBiREJQNUN0VkxCWUMwczFZckN3eXFJL0lFa3BvaHRZSkNqQ0JrUUVDemVGYUpjc3FJMGcwVndmU1h4OG5wbnp1Rmt1WklxWmI4NzU1bkcrYytaZTU2Z2RUazVPaDNHZmRnbVQrRzcrKzFzR00xREFRemVPUlRFY0FocVpUMUg5cjNNbC9KVHBRUmhkQ2M3NVpNMjVRZWdKYldBc2N3cnEzeVZRUWlyVGNhQW1NQnZxL3dqVDZpNmJxa0RtVTFSWkpUUmpuc1JPVllKelJTelRwS2xualFBN21WUFFjTHlzclQ0QWl6Q2psaWh5VndEQ1FLMGYrTXBvVDE4UHBtSHprRHpsNEQxUkN6MnRQazlkWjVFNjhrelJRSTBDYk5EZ2tTNWQ2Zm9uOStMdExvUXJVMWpUZ2VFb0tWRWVEMjNsYUthdXFtRVJpdklZSndqTURmZ2pTQUpVVGpxbWxGRUxXT1VSVHZwR0tTSGdXenhSZVR5T3pDSzlMcGNNdmhLd3loeVZ4K2VTdG1HNVZubnluSXFGMVpZcXpITUFEVkYzekhHS2xpM0tQMThreHhrQ1FwMkZOaS9WaytOUU1CTk1JVm00ZW5LY1FjdW9pUms0WDE0L1dPZWwxRlBBRFo1WWpSRG5mY2pxRFNXUmhKSVcyckVjclI0cjZhUHVweWFPQzRrNGF3dzNkVWU2V05pNm1LUTE5dEJaMDR3V1ZIQ1BIOUhTeG0vMkRPZytQckVuSkE5eENOdk1zYzlBSCt4eHZXTVhuYmthRWVsY2pxQ2o4c1JaN0NvcXJ3RFNPL2U0T2lLcWE4VlBsSzlPMmhPeWpjYnhpM0V4d1RrMzhtSzdwWWNheFcxWUZCOUJuenMwMmlwUHhwbEIvQjRFdy9OanVIMVVIeGZOWHowV1d0MjBFNFBWNDRES0VsNW5UYnc4MkRQTFZ0TjlsdmR5ckRMQ1RjZllReWdBZjFHSUpIT1pJZTBqcXhkWStTWnVtcWZHYUJOM0dMZ0t2aEdpU3BWWFViVnM5Y2tYeXprdVl6cVJwYVMwblpIVm81SnRSK2xaSTF0VmsyMGxRc2JaUldaLzRLMW45WFV0Nkpua2JzbnhGVndONUhuNVFkQlJVMkVlVzRFTGVRVmIzVEN2NG00MGMvSWpwTzR5em5iZE04M2Z4a1MwRnhMOXZqQ3RBeVNBcEcyQXQrdmdsTzRSUi85MkxyMjJMaVkvdjdQc2loM3NkbnM0dlpQUFNPZUEwL3RSbkh0S3hmT3lkMTNQN0Q4aEM4ZkkwejkySmdBQUFBQkpSVTVFcmtKZ2dnPT0iCn0K"/>
+      <extobjdata type="334E55B0-647D-440b-865C-3EC943EB4CBC" data="ewogICAiSW1nU2V0dGluZ0pzb24iIDogIntcImRwaVwiOlwiNjAwXCIsXCJmb3JtYXRcIjpcIlBOR1wiLFwidHJhbnNwYXJlbnRcIjp0cnVlLFwiYXV0b1wiOmZhbHNlfSIsCiAgICJMYXRleCIgOiAiWEZzZ1hHWnlZV043TVgxN2JWNHJmU0JjWFE9PSIsCiAgICJMYXRleEltZ0Jhc2U2NCIgOiAiaVZCT1J3MEtHZ29BQUFBTlNVaEVVZ0FBQUlFQUFBQ3BCQU1BQUFEK2NVTTRBQUFBTUZCTVZFWC8vLzhBQUFBQUFBQUFBQUFBQUFBQUFBQUFBQUFBQUFBQUFBQUFBQUFBQUFBQUFBQUFBQUFBQUFBQUFBQUFBQUF2M2FCN0FBQUFEM1JTVGxNQU11OGlSRlFRbVhabXU5Mkp6YXRwRlM4NUFBQUFDWEJJV1hNQUFBN0VBQUFPeEFHVkt3NGJBQUFENjBsRVFWUm9CZTFhejA4VFFSUWVTb0VDeFRiK0F5VTFTb3pHY3ZWZ3l0bUROVjVNdUxBWDQwVURlakV4a1RiOEErQkZqM0QyMHVyUlJwZWI4VlFTVFRnWVU2OWVoTlNmV09INVpuYmV6Q3c3YTF1V1JCTm5EOTIzNzhlM085OThNenNNeTFpUDQrU3BIZ205d21uNDJpdmx6L0hSYWtLRTBSVklobkN4RGtrUXJ0LzNzVDRKUWhXcnoxOUtnbkMzdWYyUVRTVkJFSjNrRUFLdE9oNGNEK2FzNWZUZzlPRDBZRExnOUdDeTRlWUhwd2VuQjVNQnBZZTlxSGNRenlUQWowSHlvN2s1Z085Ujd3Q2VJZjdud2FNQkNrS3B0MTR0UHlraEFNRHpUL2RlaDBKOVhpeUthdm56czgraVVOcGk1OXlMOThIUkxCNEpJUVRuTGh3RGpnSEhnR1BBTWVBWWNBd2NKd1BtV3VjbzlpNDdTcFZaODI4Z0hDZW5Ec3N4NEJqNHZ4bkluazNhL3RSK1VvUmMxeUZ3Qmh3UGdRNGNENDZIZ0lHL3pVTW0yS0V6bDRFQXA4MW42MlhqUG1YMEdHaXJiZnhkVXg0K2tOVjhxKzg3WDl6T2k2c2JEMHJkajlMLytGbm5wV1ZyMGpxeXhxQUlCN3p1SmtCWGJxdml4eGZnQTlRa25ENVpFYXBQV1FzMkdNdkFUSjZsUzl4azYzREhZOWNnMmxRYndrakhZeW0rb2Jzak5uWExmR2QyVE54OUdHQkozejJ3YkFpVCtMWEpCQUNiMkovbFNTY0FabG45amNpdncrZWdUdi9hRUJZYS9KNncxdDRRZVNONDR3bjU5QXZSbldJYlFyc21icndzcTRZQUd0VUFqQldnSTFDTkh3dkNNSGlNZjYwQlcwSGVLTUFldlJ2THdJT2h3NEtRNGZkT0lZSmdnVEdrVDdXK29Md0t4WUl3eFRmbThXYTBQNTlHaEpvc1dPanJHWEtjYmt5VmpXRGpLQ3NKd0ZheGl3NGRsbWVvVEdOT0ZTQXZVN0ZiMU1kRU94cU1nQ3dJclUwTStxQ1dKamdNcHluZGo0clNnbkFaR1VUK2YxRVY3cll2U2R0MFU5aUN3RU9vb2krVVVnRzRLbTNUVGVFWUJHejdMcVcwTlArbW04SXhDTmoyTFVwcGEvWlFKUnZrcG5NTUFyWjlrMUtNLzVxVXRUSW9HcmVHUVRuTXlSd1VsT3BNYkZCZWxVb2paajJKY3FETURNQTNzbjNkSUhLeG1EV3RJUWVjS1JveUhVZXA2bU9GWURmTWZzOXBPV1QxRUxQWGFhL1o3d1djYTJRRXU0SWVSK2ZhTGJQZlYvV0FSckNhdlNEaXhmbGxpNXgxUFMwaHY3UG92dUpSTFA0Y2xvTjRkZkRrVWpEYy9IeDhKVVVxV2c3SXZ6SFY4T2wvT0RKVlVwbHhidW1oZ0hLZ0NSN1o0Y3JJcW1jeUtnNmJ4bEJBT1V6THNCd1ZrMnJVSGk0enJvMmhrQVA0SUNQbG9GL0ZIR1lrMjB4ektCaHlRSFk4VEcrdjJXckNQdFNlR2dxcldnNFYwYS9wZm9oRU9UUUkwNUJEUVhRbWY2djJQTER0UzVSVUNsWVMvRElsVEhvQlVvTDFqRzJma3dGOFlaRWNXSlpQMU5tdVo2MEpPOWUxSEhDTUtVcndGWkFmcXA4SjU5cXZLbm9hUUVtcUJySGJ1Q1k2OE93MVlXKzJ1S2tjS3pQS1pHeStkR0hPdUxTYnZ3RzZub3ZIQk5Bbzh3QUFBQUJKUlU1RXJrSmdnZz09Igp9Cg=="/>
     </extobj>
     <extobj name="334E55B0-647D-440b-865C-3EC943EB4CBC-11">
-      <extobjdata type="334E55B0-647D-440b-865C-3EC943EB4CBC" data="ewogICAiSW1nU2V0dGluZ0pzb24iIDogIntcImRwaVwiOlwiNjAwXCIsXCJmb3JtYXRcIjpcIlBOR1wiLFwidHJhbnNwYXJlbnRcIjp0cnVlLFwiYXV0b1wiOmZhbHNlfSIsCiAgICJMYXRleCIgOiAiWEZzZ1hHWnlZV043TVgxN2JWNHJmU0JjWFE9PSIsCiAgICJMYXRleEltZ0Jhc2U2NCIgOiAiaVZCT1J3MEtHZ29BQUFBTlNVaEVVZ0FBQUlFQUFBQ3BCQU1BQUFEK2NVTTRBQUFBTUZCTVZFWC8vLzhBQUFBQUFBQUFBQUFBQUFBQUFBQUFBQUFBQUFBQUFBQUFBQUFBQUFBQUFBQUFBQUFBQUFBQUFBQUFBQUF2M2FCN0FBQUFEM1JTVGxNQU11OGlSRlFRbVhabXU5Mkp6YXRwRlM4NUFBQUFDWEJJV1hNQUFBN0VBQUFPeEFHVkt3NGJBQUFENjBsRVFWUm9CZTFhejA4VFFSUWVTb0VDeFRiK0F5VTFTb3pHY3ZWZ3l0bUROVjVNdUxBWDQwVURlakV4a1RiOEErQkZqM0QyMHVyUlJwZWI4VlFTVFRnWVU2OWVoTlNmV09INVpuYmV6Q3c3YTF1V1JCTm5EOTIzNzhlM085OThNenNNeTFpUDQrU3BIZ205d21uNDJpdmx6L0hSYWtLRTBSVklobkN4RGtrUXJ0LzNzVDRKUWhXcnoxOUtnbkMzdWYyUVRTVkJFSjNrRUFLdE9oNGNEK2FzNWZUZzlPRDBZRExnOUdDeTRlWUhwd2VuQjVNQnBZZTlxSGNRenlUQWowSHlvN2s1Z085Ujd3Q2VJZjdud2FNQkNrS3B0MTR0UHlraEFNRHpUL2RlaDBKOVhpeUthdm56czgraVVOcGk1OXlMOThIUkxCNEpJUVRuTGh3RGpnSEhnR1BBTWVBWWNBd2NKd1BtV3VjbzlpNDdTcFZaODI4Z0hDZW5Ec3N4NEJqNHZ4bkluazNhL3RSK1VvUmMxeUZ3Qmh3UGdRNGNENDZIZ0lHL3pVTW0yS0V6bDRFQXA4MW42MlhqUG1YMEdHaXJiZnhkVXg0K2tOVjhxKzg3WDl6T2k2c2JEMHJkajlMLytGbm5wV1ZyMGpxeXhxQUlCN3p1SmtCWGJxdml4eGZnQTlRa25ENVpFYXBQV1FzMkdNdkFUSjZsUzl4azYzREhZOWNnMmxRYndrakhZeW0rb2Jzak5uWExmR2QyVE54OUdHQkozejJ3YkFpVCtMWEpCQUNiMkovbFNTY0FabG45amNpdncrZWdUdi9hRUJZYS9KNncxdDRRZVNONDR3bjU5QXZSbldJYlFyc21icndzcTRZQUd0VUFqQldnSTFDTkh3dkNNSGlNZjYwQlcwSGVLTUFldlJ2THdJT2h3NEtRNGZkT0lZSmdnVEdrVDdXK29Md0t4WUl3eFRmbThXYTBQNTlHaEpvc1dPanJHWEtjYmt5VmpXRGpLQ3NKd0ZheGl3NGRsbWVvVEdOT0ZTQXZVN0ZiMU1kRU94cU1nQ3dJclUwTStxQ1dKamdNcHluZGo0clNnbkFaR1VUK2YxRVY3cll2U2R0MFU5aUN3RU9vb2krVVVnRzRLbTNUVGVFWUJHejdMcVcwTlArbW04SXhDTmoyTFVwcGEvWlFKUnZrcG5NTUFyWjlrMUtNLzVxVXRUSW9HcmVHUVRuTXlSd1VsT3BNYkZCZWxVb2paajJKY3FETURNQTNzbjNkSUhLeG1EV3RJUWVjS1JveUhVZXA2bU9GWURmTWZzOXBPV1QxRUxQWGFhL1o3d1djYTJRRXU0SWVSK2ZhTGJQZlYvV0FSckNhdlNEaXhmbGxpNXgxUFMwaHY3UG92dUpSTFA0Y2xvTjRkZkRrVWpEYy9IeDhKVVVxV2c3SXZ6SFY4T2wvT0RKVlVwbHhidW1oZ0hLZ0NSN1o0Y3JJcW1jeUtnNmJ4bEJBT1V6THNCd1ZrMnJVSGk0enJvMmhrQVA0SUNQbG9GL0ZIR1lrMjB4ektCaHlRSFk4VEcrdjJXckNQdFNlR2dxcldnNFYwYS9wZm9oRU9UUUkwNUJEUVhRbWY2djJQTER0UzVSVUNsWVMvRElsVEhvQlVvTDFqRzJma3dGOFlaRWNXSlpQMU5tdVo2MEpPOWUxSEhDTUtVcndGWkFmcXA4SjU5cXZLbm9hUUVtcUJySGJ1Q1k2OE93MVlXKzJ1S2tjS3pQS1pHeStkR0hPdUxTYnZ3RzZub3ZIQk5Bbzh3QUFBQUJKUlU1RXJrSmdnZz09Igp9Cg=="/>
-    </extobj>
-    <extobj name="334E55B0-647D-440b-865C-3EC943EB4CBC-14">
       <extobjdata type="334E55B0-647D-440b-865C-3EC943EB4CBC" data="ewogICAiSW1nU2V0dGluZ0pzb24iIDogIntcImRwaVwiOlwiNjAwXCIsXCJmb3JtYXRcIjpcIlBOR1wiLFwidHJhbnNwYXJlbnRcIjp0cnVlLFwiYXV0b1wiOmZhbHNlfSIsCiAgICJMYXRleCIgOiAiWEZzZ1hHWnlZV043TVgxN2JWNHRmU0JjWFE9PSIsCiAgICJMYXRleEltZ0Jhc2U2NCIgOiAiaVZCT1J3MEtHZ29BQUFBTlNVaEVVZ0FBQUlFQUFBQ3BCQU1BQUFEK2NVTTRBQUFBTUZCTVZFWC8vLzhBQUFBQUFBQUFBQUFBQUFBQUFBQUFBQUFBQUFBQUFBQUFBQUFBQUFBQUFBQUFBQUFBQUFBQUFBQUFBQUF2M2FCN0FBQUFEM1JTVGxNQU11OGlSRlFRbVhabXU5Mkp6YXRwRlM4NUFBQUFDWEJJV1hNQUFBN0VBQUFPeEFHVkt3NGJBQUFEb0VsRVFWUm9CZTFhdTI0VFFSUzlqbU1uSkE1eFRlUElCU21Rc1AvQXFTa3dva3lUYlJBMGlGQkZTSUF0ZmlDcFFLS0pSUnNKTzJrajRraTBTRWFpb0VESWRBaWFST1laVEhJNXM3dnpjT1Qxck5jTnhVeVJtYm12bVRuMzNOblZ4a1NXbGlxV0xSWTJkWlZ2MkV4RzYyL3poQkh1bENhTGtIN09hSWxQa2RuWUVmNFRSSmlCYys5MWQ1SUlWMTQ5eU5Na0VZSWN1UWdPQjdOYUhSOGNIeHdmVEFRY0gwdzAzUDNnK09ENFlDTGcrR0NpZ2Z0aHk1eVBQMjR6MThmM01qMlllZDJjanoyK2hBZ24zdGh1Z1VQMnpjYlhGd2pBM0gvNStXRVNNTEsrdC96VFNMQ1BMQmYzUHdidHcxNHBTWVFFaXpvWGg0QkR3Q0hnRUhBSU9BUWNBdkVRa0s4NVNmdGpTdW9wL2Y2UENQSFFjbFlPQVllQVE4QWg0QkJ3Q0RnRUhBSUpFY2kwNWV1ZjZ2dmxzV0pkVkk1NlVCOHJRbXBuLzN3NzhIU0UxZUw3dkQrNzlhalUveExLbiszMURwNXFtNUdqR1M3eW1iREFEeTc2ekwvRk1GdGpic2Yrd2xyYnBRNDNpR1o1T1UvVEpUR2tiYjd2MFUzK2c2RzlaWG9lVFltVmovelZLL3lMYU1iL3ZwdU8rWkYyL2dmUkhEUE5uZnJwQWVwbGFyN3pWMjd5Ti9zT2lOWmFZazNlNmpaODZ3d1duZ3QzdnliMlkyL2RPaEVXZmh4NnBaaGJ0VWJnVnVDZTNaL1M3QkV0Z0NkdkEyTjg0VDNwaDM0VkZrcGJteFZyVHlHQ2p3SWhJcXZURjVSMFZKU0ZFMml4bU9oRW0wYUV1ajhDUkxIMnNDamdobWw0Q0xvQVdvVUJhQk1wc3JmcUVteHF6UG5RRkdsQmVvTjJwSU5KMFpDK2N3aGhtMCtsYXA1NVNZN2JzVWg1RFFnQy83L1M2NTRtb2ltVzZvZ2VMUG91VlZYOU94NVRMTlVSUGM1K0xGVWRqYjhwbHVxSUhtZVhxY0F2Z1ZRcXdKSkdoTWQ1TWM1K0tHV3NhNkdpbVNHMVVUM29zQkxxUUNpVlRCeEk1ampLVThwQkJ6bWNaZjRweDIxOUlDbUs2ZzA2NEtab2hXYW9VcFhqS005UWJ1WjlVZE1ocDB2TUVvRE12QmYwdjhDUUNya2RXd1F6NzV1Nm9CR3Nibk1OOWJoZkZCMmErbG9Ddm1WWVhQZnNZUWJwNEQ4NmhGTXBLTGQyM2g2aHF1a0EvSTJyUmx6LzZUaFhaVWVYQXVnZ0wzaWdJNWlSVTNzYXNSV2pGRUNIcGRBeXJJcDVWYlVqSWhpbHNNajhLYlNzQkhuMTc3QVJ6a0psbG9KQkI2RGpRZHZkRWphakc3aW5TbUZUMDZIcTUzVTZEcENnUTB1dVlkQ2g0Q2RUUEZXdERXZGZsMGFsNEUxQ1RLZjhvWHdBU29PaFBjNitFaXJ3d0pKMG9KeTRxSE45YjZqUG9IQmIwd0UxcGlEQkl5Q2ZhbDRldEIwK3ErcHJBSlJVQjZLN2VDYzY4NGI3REVwenhVTWxlTEtzaGtTcnBhc3J4blQ0OEIvWkFXbU8rSEtuZXdBQUFBQkpSVTVFcmtKZ2dnPT0iCn0K"/>
     </extobj>
   </extobjs>
